--- a/media/workflow.pptx
+++ b/media/workflow.pptx
@@ -104,6 +104,11 @@
       </a:defRPr>
     </a:lvl9pPr>
   </p:defaultTextStyle>
+  <p:extLst>
+    <p:ext uri="{EFAFB233-063F-42B5-8137-9DF3F51BA10A}">
+      <p15:sldGuideLst xmlns:p15="http://schemas.microsoft.com/office/powerpoint/2012/main"/>
+    </p:ext>
+  </p:extLst>
 </p:presentation>
 </file>
 
@@ -238,7 +243,7 @@
           <a:p>
             <a:fld id="{9D1E02C5-5361-CF44-A3FF-C86CF436E3BE}" type="datetimeFigureOut">
               <a:rPr lang="en-US" smtClean="0"/>
-              <a:t>9/7/18</a:t>
+              <a:t>10/19/18</a:t>
             </a:fld>
             <a:endParaRPr lang="en-US"/>
           </a:p>
@@ -408,7 +413,7 @@
           <a:p>
             <a:fld id="{9D1E02C5-5361-CF44-A3FF-C86CF436E3BE}" type="datetimeFigureOut">
               <a:rPr lang="en-US" smtClean="0"/>
-              <a:t>9/7/18</a:t>
+              <a:t>10/19/18</a:t>
             </a:fld>
             <a:endParaRPr lang="en-US"/>
           </a:p>
@@ -588,7 +593,7 @@
           <a:p>
             <a:fld id="{9D1E02C5-5361-CF44-A3FF-C86CF436E3BE}" type="datetimeFigureOut">
               <a:rPr lang="en-US" smtClean="0"/>
-              <a:t>9/7/18</a:t>
+              <a:t>10/19/18</a:t>
             </a:fld>
             <a:endParaRPr lang="en-US"/>
           </a:p>
@@ -758,7 +763,7 @@
           <a:p>
             <a:fld id="{9D1E02C5-5361-CF44-A3FF-C86CF436E3BE}" type="datetimeFigureOut">
               <a:rPr lang="en-US" smtClean="0"/>
-              <a:t>9/7/18</a:t>
+              <a:t>10/19/18</a:t>
             </a:fld>
             <a:endParaRPr lang="en-US"/>
           </a:p>
@@ -1004,7 +1009,7 @@
           <a:p>
             <a:fld id="{9D1E02C5-5361-CF44-A3FF-C86CF436E3BE}" type="datetimeFigureOut">
               <a:rPr lang="en-US" smtClean="0"/>
-              <a:t>9/7/18</a:t>
+              <a:t>10/19/18</a:t>
             </a:fld>
             <a:endParaRPr lang="en-US"/>
           </a:p>
@@ -1236,7 +1241,7 @@
           <a:p>
             <a:fld id="{9D1E02C5-5361-CF44-A3FF-C86CF436E3BE}" type="datetimeFigureOut">
               <a:rPr lang="en-US" smtClean="0"/>
-              <a:t>9/7/18</a:t>
+              <a:t>10/19/18</a:t>
             </a:fld>
             <a:endParaRPr lang="en-US"/>
           </a:p>
@@ -1603,7 +1608,7 @@
           <a:p>
             <a:fld id="{9D1E02C5-5361-CF44-A3FF-C86CF436E3BE}" type="datetimeFigureOut">
               <a:rPr lang="en-US" smtClean="0"/>
-              <a:t>9/7/18</a:t>
+              <a:t>10/19/18</a:t>
             </a:fld>
             <a:endParaRPr lang="en-US"/>
           </a:p>
@@ -1721,7 +1726,7 @@
           <a:p>
             <a:fld id="{9D1E02C5-5361-CF44-A3FF-C86CF436E3BE}" type="datetimeFigureOut">
               <a:rPr lang="en-US" smtClean="0"/>
-              <a:t>9/7/18</a:t>
+              <a:t>10/19/18</a:t>
             </a:fld>
             <a:endParaRPr lang="en-US"/>
           </a:p>
@@ -1816,7 +1821,7 @@
           <a:p>
             <a:fld id="{9D1E02C5-5361-CF44-A3FF-C86CF436E3BE}" type="datetimeFigureOut">
               <a:rPr lang="en-US" smtClean="0"/>
-              <a:t>9/7/18</a:t>
+              <a:t>10/19/18</a:t>
             </a:fld>
             <a:endParaRPr lang="en-US"/>
           </a:p>
@@ -2093,7 +2098,7 @@
           <a:p>
             <a:fld id="{9D1E02C5-5361-CF44-A3FF-C86CF436E3BE}" type="datetimeFigureOut">
               <a:rPr lang="en-US" smtClean="0"/>
-              <a:t>9/7/18</a:t>
+              <a:t>10/19/18</a:t>
             </a:fld>
             <a:endParaRPr lang="en-US"/>
           </a:p>
@@ -2346,7 +2351,7 @@
           <a:p>
             <a:fld id="{9D1E02C5-5361-CF44-A3FF-C86CF436E3BE}" type="datetimeFigureOut">
               <a:rPr lang="en-US" smtClean="0"/>
-              <a:t>9/7/18</a:t>
+              <a:t>10/19/18</a:t>
             </a:fld>
             <a:endParaRPr lang="en-US"/>
           </a:p>
@@ -2559,7 +2564,7 @@
           <a:p>
             <a:fld id="{9D1E02C5-5361-CF44-A3FF-C86CF436E3BE}" type="datetimeFigureOut">
               <a:rPr lang="en-US" smtClean="0"/>
-              <a:t>9/7/18</a:t>
+              <a:t>10/19/18</a:t>
             </a:fld>
             <a:endParaRPr lang="en-US"/>
           </a:p>
@@ -3256,16 +3261,16 @@
             <a:pPr algn="ctr"/>
             <a:r>
               <a:rPr lang="en-US" dirty="0" smtClean="0">
-                <a:latin typeface="Times New Roman" charset="0"/>
-                <a:ea typeface="Times New Roman" charset="0"/>
-                <a:cs typeface="Times New Roman" charset="0"/>
+                <a:latin typeface="Open Sans" charset="0"/>
+                <a:ea typeface="Open Sans" charset="0"/>
+                <a:cs typeface="Open Sans" charset="0"/>
               </a:rPr>
               <a:t>Excel</a:t>
             </a:r>
             <a:endParaRPr lang="en-US" dirty="0">
-              <a:latin typeface="Times New Roman" charset="0"/>
-              <a:ea typeface="Times New Roman" charset="0"/>
-              <a:cs typeface="Times New Roman" charset="0"/>
+              <a:latin typeface="Open Sans" charset="0"/>
+              <a:ea typeface="Open Sans" charset="0"/>
+              <a:cs typeface="Open Sans" charset="0"/>
             </a:endParaRPr>
           </a:p>
         </p:txBody>
@@ -3295,16 +3300,16 @@
             <a:pPr algn="ctr"/>
             <a:r>
               <a:rPr lang="en-US" dirty="0" smtClean="0">
-                <a:latin typeface="Times New Roman" charset="0"/>
-                <a:ea typeface="Times New Roman" charset="0"/>
-                <a:cs typeface="Times New Roman" charset="0"/>
+                <a:latin typeface="Open Sans" charset="0"/>
+                <a:ea typeface="Open Sans" charset="0"/>
+                <a:cs typeface="Open Sans" charset="0"/>
               </a:rPr>
               <a:t>Python</a:t>
             </a:r>
             <a:endParaRPr lang="en-US" dirty="0">
-              <a:latin typeface="Times New Roman" charset="0"/>
-              <a:ea typeface="Times New Roman" charset="0"/>
-              <a:cs typeface="Times New Roman" charset="0"/>
+              <a:latin typeface="Open Sans" charset="0"/>
+              <a:ea typeface="Open Sans" charset="0"/>
+              <a:cs typeface="Open Sans" charset="0"/>
             </a:endParaRPr>
           </a:p>
         </p:txBody>
@@ -3334,16 +3339,16 @@
             <a:pPr algn="ctr"/>
             <a:r>
               <a:rPr lang="en-US" dirty="0" smtClean="0">
-                <a:latin typeface="Times New Roman" charset="0"/>
-                <a:ea typeface="Times New Roman" charset="0"/>
-                <a:cs typeface="Times New Roman" charset="0"/>
+                <a:latin typeface="Open Sans" charset="0"/>
+                <a:ea typeface="Open Sans" charset="0"/>
+                <a:cs typeface="Open Sans" charset="0"/>
               </a:rPr>
               <a:t>R</a:t>
             </a:r>
             <a:endParaRPr lang="en-US" dirty="0">
-              <a:latin typeface="Times New Roman" charset="0"/>
-              <a:ea typeface="Times New Roman" charset="0"/>
-              <a:cs typeface="Times New Roman" charset="0"/>
+              <a:latin typeface="Open Sans" charset="0"/>
+              <a:ea typeface="Open Sans" charset="0"/>
+              <a:cs typeface="Open Sans" charset="0"/>
             </a:endParaRPr>
           </a:p>
         </p:txBody>
@@ -3394,6 +3399,173 @@
           <a:p>
             <a:pPr algn="ctr"/>
             <a:endParaRPr lang="en-US"/>
+          </a:p>
+        </p:txBody>
+      </p:sp>
+      <p:sp>
+        <p:nvSpPr>
+          <p:cNvPr id="18" name="TextBox 17"/>
+          <p:cNvSpPr txBox="1"/>
+          <p:nvPr/>
+        </p:nvSpPr>
+        <p:spPr>
+          <a:xfrm>
+            <a:off x="1900292" y="4107748"/>
+            <a:ext cx="1364265" cy="369332"/>
+          </a:xfrm>
+          <a:prstGeom prst="rect">
+            <a:avLst/>
+          </a:prstGeom>
+          <a:noFill/>
+        </p:spPr>
+        <p:txBody>
+          <a:bodyPr wrap="square" rtlCol="0">
+            <a:spAutoFit/>
+          </a:bodyPr>
+          <a:lstStyle/>
+          <a:p>
+            <a:pPr algn="ctr"/>
+            <a:r>
+              <a:rPr lang="en-US" dirty="0" smtClean="0">
+                <a:latin typeface="Open Sans" charset="0"/>
+                <a:ea typeface="Open Sans" charset="0"/>
+                <a:cs typeface="Open Sans" charset="0"/>
+              </a:rPr>
+              <a:t>Data</a:t>
+            </a:r>
+            <a:endParaRPr lang="en-US" dirty="0">
+              <a:latin typeface="Open Sans" charset="0"/>
+              <a:ea typeface="Open Sans" charset="0"/>
+              <a:cs typeface="Open Sans" charset="0"/>
+            </a:endParaRPr>
+          </a:p>
+        </p:txBody>
+      </p:sp>
+      <p:sp>
+        <p:nvSpPr>
+          <p:cNvPr id="19" name="TextBox 18"/>
+          <p:cNvSpPr txBox="1"/>
+          <p:nvPr/>
+        </p:nvSpPr>
+        <p:spPr>
+          <a:xfrm>
+            <a:off x="3784210" y="4107748"/>
+            <a:ext cx="1956874" cy="369332"/>
+          </a:xfrm>
+          <a:prstGeom prst="rect">
+            <a:avLst/>
+          </a:prstGeom>
+          <a:noFill/>
+        </p:spPr>
+        <p:txBody>
+          <a:bodyPr wrap="square" rtlCol="0">
+            <a:spAutoFit/>
+          </a:bodyPr>
+          <a:lstStyle/>
+          <a:p>
+            <a:pPr algn="ctr"/>
+            <a:r>
+              <a:rPr lang="en-US" smtClean="0">
+                <a:latin typeface="Open Sans" charset="0"/>
+                <a:ea typeface="Open Sans" charset="0"/>
+                <a:cs typeface="Open Sans" charset="0"/>
+              </a:rPr>
+              <a:t>Pre-processing</a:t>
+            </a:r>
+            <a:endParaRPr lang="en-US" dirty="0">
+              <a:latin typeface="Open Sans" charset="0"/>
+              <a:ea typeface="Open Sans" charset="0"/>
+              <a:cs typeface="Open Sans" charset="0"/>
+            </a:endParaRPr>
+          </a:p>
+        </p:txBody>
+      </p:sp>
+      <p:sp>
+        <p:nvSpPr>
+          <p:cNvPr id="20" name="TextBox 19"/>
+          <p:cNvSpPr txBox="1"/>
+          <p:nvPr/>
+        </p:nvSpPr>
+        <p:spPr>
+          <a:xfrm>
+            <a:off x="6246368" y="4107748"/>
+            <a:ext cx="1364265" cy="646331"/>
+          </a:xfrm>
+          <a:prstGeom prst="rect">
+            <a:avLst/>
+          </a:prstGeom>
+          <a:noFill/>
+        </p:spPr>
+        <p:txBody>
+          <a:bodyPr wrap="square" rtlCol="0">
+            <a:spAutoFit/>
+          </a:bodyPr>
+          <a:lstStyle/>
+          <a:p>
+            <a:pPr algn="ctr"/>
+            <a:r>
+              <a:rPr lang="en-US" dirty="0" smtClean="0">
+                <a:latin typeface="Open Sans" charset="0"/>
+                <a:ea typeface="Open Sans" charset="0"/>
+                <a:cs typeface="Open Sans" charset="0"/>
+              </a:rPr>
+              <a:t>Statistical</a:t>
+            </a:r>
+          </a:p>
+          <a:p>
+            <a:pPr algn="ctr"/>
+            <a:r>
+              <a:rPr lang="en-US" dirty="0" smtClean="0">
+                <a:latin typeface="Open Sans" charset="0"/>
+                <a:ea typeface="Open Sans" charset="0"/>
+                <a:cs typeface="Open Sans" charset="0"/>
+              </a:rPr>
+              <a:t>analysis</a:t>
+            </a:r>
+            <a:endParaRPr lang="en-US" dirty="0">
+              <a:latin typeface="Open Sans" charset="0"/>
+              <a:ea typeface="Open Sans" charset="0"/>
+              <a:cs typeface="Open Sans" charset="0"/>
+            </a:endParaRPr>
+          </a:p>
+        </p:txBody>
+      </p:sp>
+      <p:sp>
+        <p:nvSpPr>
+          <p:cNvPr id="21" name="TextBox 20"/>
+          <p:cNvSpPr txBox="1"/>
+          <p:nvPr/>
+        </p:nvSpPr>
+        <p:spPr>
+          <a:xfrm>
+            <a:off x="8412224" y="4107748"/>
+            <a:ext cx="1364265" cy="646331"/>
+          </a:xfrm>
+          <a:prstGeom prst="rect">
+            <a:avLst/>
+          </a:prstGeom>
+          <a:noFill/>
+        </p:spPr>
+        <p:txBody>
+          <a:bodyPr wrap="square" rtlCol="0">
+            <a:spAutoFit/>
+          </a:bodyPr>
+          <a:lstStyle/>
+          <a:p>
+            <a:pPr algn="ctr"/>
+            <a:r>
+              <a:rPr lang="en-US" dirty="0" smtClean="0">
+                <a:latin typeface="Open Sans" charset="0"/>
+                <a:ea typeface="Open Sans" charset="0"/>
+                <a:cs typeface="Open Sans" charset="0"/>
+              </a:rPr>
+              <a:t>Human operator</a:t>
+            </a:r>
+            <a:endParaRPr lang="en-US" dirty="0">
+              <a:latin typeface="Open Sans" charset="0"/>
+              <a:ea typeface="Open Sans" charset="0"/>
+              <a:cs typeface="Open Sans" charset="0"/>
+            </a:endParaRPr>
           </a:p>
         </p:txBody>
       </p:sp>
